--- a/E1/diapo.PPTX
+++ b/E1/diapo.PPTX
@@ -260,7 +260,7 @@
           <a:p>
             <a:fld id="{1881C364-3579-4C44-8014-993F2536BA90}" type="datetimeFigureOut">
               <a:rPr lang="fr-FR" smtClean="0"/>
-              <a:t>18/03/2024</a:t>
+              <a:t>20/03/2024</a:t>
             </a:fld>
             <a:endParaRPr lang="fr-FR"/>
           </a:p>
@@ -458,7 +458,7 @@
           <a:p>
             <a:fld id="{1881C364-3579-4C44-8014-993F2536BA90}" type="datetimeFigureOut">
               <a:rPr lang="fr-FR" smtClean="0"/>
-              <a:t>18/03/2024</a:t>
+              <a:t>20/03/2024</a:t>
             </a:fld>
             <a:endParaRPr lang="fr-FR"/>
           </a:p>
@@ -666,7 +666,7 @@
           <a:p>
             <a:fld id="{1881C364-3579-4C44-8014-993F2536BA90}" type="datetimeFigureOut">
               <a:rPr lang="fr-FR" smtClean="0"/>
-              <a:t>18/03/2024</a:t>
+              <a:t>20/03/2024</a:t>
             </a:fld>
             <a:endParaRPr lang="fr-FR"/>
           </a:p>
@@ -864,7 +864,7 @@
           <a:p>
             <a:fld id="{1881C364-3579-4C44-8014-993F2536BA90}" type="datetimeFigureOut">
               <a:rPr lang="fr-FR" smtClean="0"/>
-              <a:t>18/03/2024</a:t>
+              <a:t>20/03/2024</a:t>
             </a:fld>
             <a:endParaRPr lang="fr-FR"/>
           </a:p>
@@ -1139,7 +1139,7 @@
           <a:p>
             <a:fld id="{1881C364-3579-4C44-8014-993F2536BA90}" type="datetimeFigureOut">
               <a:rPr lang="fr-FR" smtClean="0"/>
-              <a:t>18/03/2024</a:t>
+              <a:t>20/03/2024</a:t>
             </a:fld>
             <a:endParaRPr lang="fr-FR"/>
           </a:p>
@@ -1404,7 +1404,7 @@
           <a:p>
             <a:fld id="{1881C364-3579-4C44-8014-993F2536BA90}" type="datetimeFigureOut">
               <a:rPr lang="fr-FR" smtClean="0"/>
-              <a:t>18/03/2024</a:t>
+              <a:t>20/03/2024</a:t>
             </a:fld>
             <a:endParaRPr lang="fr-FR"/>
           </a:p>
@@ -1816,7 +1816,7 @@
           <a:p>
             <a:fld id="{1881C364-3579-4C44-8014-993F2536BA90}" type="datetimeFigureOut">
               <a:rPr lang="fr-FR" smtClean="0"/>
-              <a:t>18/03/2024</a:t>
+              <a:t>20/03/2024</a:t>
             </a:fld>
             <a:endParaRPr lang="fr-FR"/>
           </a:p>
@@ -1957,7 +1957,7 @@
           <a:p>
             <a:fld id="{1881C364-3579-4C44-8014-993F2536BA90}" type="datetimeFigureOut">
               <a:rPr lang="fr-FR" smtClean="0"/>
-              <a:t>18/03/2024</a:t>
+              <a:t>20/03/2024</a:t>
             </a:fld>
             <a:endParaRPr lang="fr-FR"/>
           </a:p>
@@ -2070,7 +2070,7 @@
           <a:p>
             <a:fld id="{1881C364-3579-4C44-8014-993F2536BA90}" type="datetimeFigureOut">
               <a:rPr lang="fr-FR" smtClean="0"/>
-              <a:t>18/03/2024</a:t>
+              <a:t>20/03/2024</a:t>
             </a:fld>
             <a:endParaRPr lang="fr-FR"/>
           </a:p>
@@ -2381,7 +2381,7 @@
           <a:p>
             <a:fld id="{1881C364-3579-4C44-8014-993F2536BA90}" type="datetimeFigureOut">
               <a:rPr lang="fr-FR" smtClean="0"/>
-              <a:t>18/03/2024</a:t>
+              <a:t>20/03/2024</a:t>
             </a:fld>
             <a:endParaRPr lang="fr-FR"/>
           </a:p>
@@ -2672,7 +2672,7 @@
           <a:p>
             <a:fld id="{1881C364-3579-4C44-8014-993F2536BA90}" type="datetimeFigureOut">
               <a:rPr lang="fr-FR" smtClean="0"/>
-              <a:t>18/03/2024</a:t>
+              <a:t>20/03/2024</a:t>
             </a:fld>
             <a:endParaRPr lang="fr-FR"/>
           </a:p>
@@ -2913,7 +2913,7 @@
           <a:p>
             <a:fld id="{1881C364-3579-4C44-8014-993F2536BA90}" type="datetimeFigureOut">
               <a:rPr lang="fr-FR" smtClean="0"/>
-              <a:t>18/03/2024</a:t>
+              <a:t>20/03/2024</a:t>
             </a:fld>
             <a:endParaRPr lang="fr-FR"/>
           </a:p>
